--- a/Finálna verzia.pptx
+++ b/Finálna verzia.pptx
@@ -267,7 +267,7 @@
           <a:p>
             <a:fld id="{0DF1DBF7-A5EB-4314-94E6-C7787A9183A3}" type="datetimeFigureOut">
               <a:rPr lang="sk-SK" smtClean="0"/>
-              <a:t>6. 5. 2022</a:t>
+              <a:t>7. 5. 2022</a:t>
             </a:fld>
             <a:endParaRPr lang="sk-SK"/>
           </a:p>
@@ -465,7 +465,7 @@
           <a:p>
             <a:fld id="{0DF1DBF7-A5EB-4314-94E6-C7787A9183A3}" type="datetimeFigureOut">
               <a:rPr lang="sk-SK" smtClean="0"/>
-              <a:t>6. 5. 2022</a:t>
+              <a:t>7. 5. 2022</a:t>
             </a:fld>
             <a:endParaRPr lang="sk-SK"/>
           </a:p>
@@ -673,7 +673,7 @@
           <a:p>
             <a:fld id="{0DF1DBF7-A5EB-4314-94E6-C7787A9183A3}" type="datetimeFigureOut">
               <a:rPr lang="sk-SK" smtClean="0"/>
-              <a:t>6. 5. 2022</a:t>
+              <a:t>7. 5. 2022</a:t>
             </a:fld>
             <a:endParaRPr lang="sk-SK"/>
           </a:p>
@@ -871,7 +871,7 @@
           <a:p>
             <a:fld id="{0DF1DBF7-A5EB-4314-94E6-C7787A9183A3}" type="datetimeFigureOut">
               <a:rPr lang="sk-SK" smtClean="0"/>
-              <a:t>6. 5. 2022</a:t>
+              <a:t>7. 5. 2022</a:t>
             </a:fld>
             <a:endParaRPr lang="sk-SK"/>
           </a:p>
@@ -1146,7 +1146,7 @@
           <a:p>
             <a:fld id="{0DF1DBF7-A5EB-4314-94E6-C7787A9183A3}" type="datetimeFigureOut">
               <a:rPr lang="sk-SK" smtClean="0"/>
-              <a:t>6. 5. 2022</a:t>
+              <a:t>7. 5. 2022</a:t>
             </a:fld>
             <a:endParaRPr lang="sk-SK"/>
           </a:p>
@@ -1411,7 +1411,7 @@
           <a:p>
             <a:fld id="{0DF1DBF7-A5EB-4314-94E6-C7787A9183A3}" type="datetimeFigureOut">
               <a:rPr lang="sk-SK" smtClean="0"/>
-              <a:t>6. 5. 2022</a:t>
+              <a:t>7. 5. 2022</a:t>
             </a:fld>
             <a:endParaRPr lang="sk-SK"/>
           </a:p>
@@ -1823,7 +1823,7 @@
           <a:p>
             <a:fld id="{0DF1DBF7-A5EB-4314-94E6-C7787A9183A3}" type="datetimeFigureOut">
               <a:rPr lang="sk-SK" smtClean="0"/>
-              <a:t>6. 5. 2022</a:t>
+              <a:t>7. 5. 2022</a:t>
             </a:fld>
             <a:endParaRPr lang="sk-SK"/>
           </a:p>
@@ -1964,7 +1964,7 @@
           <a:p>
             <a:fld id="{0DF1DBF7-A5EB-4314-94E6-C7787A9183A3}" type="datetimeFigureOut">
               <a:rPr lang="sk-SK" smtClean="0"/>
-              <a:t>6. 5. 2022</a:t>
+              <a:t>7. 5. 2022</a:t>
             </a:fld>
             <a:endParaRPr lang="sk-SK"/>
           </a:p>
@@ -2077,7 +2077,7 @@
           <a:p>
             <a:fld id="{0DF1DBF7-A5EB-4314-94E6-C7787A9183A3}" type="datetimeFigureOut">
               <a:rPr lang="sk-SK" smtClean="0"/>
-              <a:t>6. 5. 2022</a:t>
+              <a:t>7. 5. 2022</a:t>
             </a:fld>
             <a:endParaRPr lang="sk-SK"/>
           </a:p>
@@ -2388,7 +2388,7 @@
           <a:p>
             <a:fld id="{0DF1DBF7-A5EB-4314-94E6-C7787A9183A3}" type="datetimeFigureOut">
               <a:rPr lang="sk-SK" smtClean="0"/>
-              <a:t>6. 5. 2022</a:t>
+              <a:t>7. 5. 2022</a:t>
             </a:fld>
             <a:endParaRPr lang="sk-SK"/>
           </a:p>
@@ -2676,7 +2676,7 @@
           <a:p>
             <a:fld id="{0DF1DBF7-A5EB-4314-94E6-C7787A9183A3}" type="datetimeFigureOut">
               <a:rPr lang="sk-SK" smtClean="0"/>
-              <a:t>6. 5. 2022</a:t>
+              <a:t>7. 5. 2022</a:t>
             </a:fld>
             <a:endParaRPr lang="sk-SK"/>
           </a:p>
@@ -2917,7 +2917,7 @@
           <a:p>
             <a:fld id="{0DF1DBF7-A5EB-4314-94E6-C7787A9183A3}" type="datetimeFigureOut">
               <a:rPr lang="sk-SK" smtClean="0"/>
-              <a:t>6. 5. 2022</a:t>
+              <a:t>7. 5. 2022</a:t>
             </a:fld>
             <a:endParaRPr lang="sk-SK"/>
           </a:p>
@@ -4287,10 +4287,10 @@
       </p:sp>
       <p:pic>
         <p:nvPicPr>
-          <p:cNvPr id="11" name="Obrázok 10">
-            <a:extLst>
-              <a:ext uri="{FF2B5EF4-FFF2-40B4-BE49-F238E27FC236}">
-                <a16:creationId xmlns:a16="http://schemas.microsoft.com/office/drawing/2014/main" id="{B25E7D6B-8BAE-4634-B80C-91725EF452F6}"/>
+          <p:cNvPr id="3" name="Obrázok 2">
+            <a:extLst>
+              <a:ext uri="{FF2B5EF4-FFF2-40B4-BE49-F238E27FC236}">
+                <a16:creationId xmlns:a16="http://schemas.microsoft.com/office/drawing/2014/main" id="{F149FD6D-AC12-BECE-E131-3C2EA09BD3AD}"/>
               </a:ext>
             </a:extLst>
           </p:cNvPr>
@@ -4313,8 +4313,8 @@
         </p:blipFill>
         <p:spPr>
           <a:xfrm>
-            <a:off x="3501958" y="-1"/>
-            <a:ext cx="8690042" cy="3404099"/>
+            <a:off x="3501956" y="-1"/>
+            <a:ext cx="8674725" cy="3448559"/>
           </a:xfrm>
           <a:prstGeom prst="rect">
             <a:avLst/>
@@ -4323,10 +4323,10 @@
       </p:pic>
       <p:pic>
         <p:nvPicPr>
-          <p:cNvPr id="13" name="Obrázok 12">
-            <a:extLst>
-              <a:ext uri="{FF2B5EF4-FFF2-40B4-BE49-F238E27FC236}">
-                <a16:creationId xmlns:a16="http://schemas.microsoft.com/office/drawing/2014/main" id="{C05D3F41-6FDB-46D8-B53D-A80963CE8D75}"/>
+          <p:cNvPr id="5" name="Obrázok 4">
+            <a:extLst>
+              <a:ext uri="{FF2B5EF4-FFF2-40B4-BE49-F238E27FC236}">
+                <a16:creationId xmlns:a16="http://schemas.microsoft.com/office/drawing/2014/main" id="{D317CC0A-260B-7072-9445-25136F7D4425}"/>
               </a:ext>
             </a:extLst>
           </p:cNvPr>
@@ -4349,8 +4349,8 @@
         </p:blipFill>
         <p:spPr>
           <a:xfrm>
-            <a:off x="3501957" y="3444483"/>
-            <a:ext cx="8690043" cy="3413517"/>
+            <a:off x="3501956" y="3600454"/>
+            <a:ext cx="8674726" cy="3257547"/>
           </a:xfrm>
           <a:prstGeom prst="rect">
             <a:avLst/>
@@ -4438,10 +4438,10 @@
       </p:sp>
       <p:pic>
         <p:nvPicPr>
-          <p:cNvPr id="7" name="Obrázok 6" descr="Obrázok, na ktorom je text&#10;&#10;Automaticky generovaný popis">
-            <a:extLst>
-              <a:ext uri="{FF2B5EF4-FFF2-40B4-BE49-F238E27FC236}">
-                <a16:creationId xmlns:a16="http://schemas.microsoft.com/office/drawing/2014/main" id="{8F183D90-6E2C-47FD-AFB6-C5ED185FD204}"/>
+          <p:cNvPr id="4" name="Obrázok 3" descr="Obrázok, na ktorom je text&#10;&#10;Automaticky generovaný popis">
+            <a:extLst>
+              <a:ext uri="{FF2B5EF4-FFF2-40B4-BE49-F238E27FC236}">
+                <a16:creationId xmlns:a16="http://schemas.microsoft.com/office/drawing/2014/main" id="{1822E86D-D9C7-10AB-9A6D-B1408B080F0A}"/>
               </a:ext>
             </a:extLst>
           </p:cNvPr>
@@ -4464,8 +4464,8 @@
         </p:blipFill>
         <p:spPr>
           <a:xfrm>
-            <a:off x="1186946" y="1848255"/>
-            <a:ext cx="9818108" cy="5009745"/>
+            <a:off x="838200" y="1591665"/>
+            <a:ext cx="10610153" cy="5083455"/>
           </a:xfrm>
           <a:prstGeom prst="rect">
             <a:avLst/>
